--- a/docs/images/RolesAndTechnologies.pptx
+++ b/docs/images/RolesAndTechnologies.pptx
@@ -10,7 +10,7 @@
   <p:sldIdLst>
     <p:sldId id="256" r:id="rId2"/>
   </p:sldIdLst>
-  <p:sldSz cx="6480175" cy="3240088"/>
+  <p:sldSz cx="6480175" cy="2879725"/>
   <p:notesSz cx="6858000" cy="9144000"/>
   <p:defaultTextStyle>
     <a:defPPr>
@@ -110,7 +110,7 @@
   <p:extLst>
     <p:ext uri="{EFAFB233-063F-42B5-8137-9DF3F51BA10A}">
       <p15:sldGuideLst xmlns:p15="http://schemas.microsoft.com/office/powerpoint/2012/main">
-        <p15:guide id="1" orient="horz" pos="1021" userDrawn="1">
+        <p15:guide id="1" orient="horz" pos="907" userDrawn="1">
           <p15:clr>
             <a:srgbClr val="A4A3A4"/>
           </p15:clr>
@@ -208,7 +208,7 @@
           <a:p>
             <a:fld id="{EB56B9F1-9881-483D-AC17-B3C6E9A32E68}" type="datetimeFigureOut">
               <a:rPr lang="en-SG" smtClean="0"/>
-              <a:t>27/8/2018</a:t>
+              <a:t>18/3/2018</a:t>
             </a:fld>
             <a:endParaRPr lang="en-SG"/>
           </a:p>
@@ -226,8 +226,8 @@
         </p:nvSpPr>
         <p:spPr>
           <a:xfrm>
-            <a:off x="0" y="685800"/>
-            <a:ext cx="6858000" cy="3429000"/>
+            <a:off x="-428625" y="685800"/>
+            <a:ext cx="7715250" cy="3429000"/>
           </a:xfrm>
           <a:prstGeom prst="rect">
             <a:avLst/>
@@ -505,8 +505,8 @@
         </p:nvSpPr>
         <p:spPr>
           <a:xfrm>
-            <a:off x="0" y="685800"/>
-            <a:ext cx="6858000" cy="3429000"/>
+            <a:off x="-428625" y="685800"/>
+            <a:ext cx="7715250" cy="3429000"/>
           </a:xfrm>
         </p:spPr>
       </p:sp>
@@ -594,8 +594,8 @@
         </p:nvSpPr>
         <p:spPr>
           <a:xfrm>
-            <a:off x="486017" y="1006529"/>
-            <a:ext cx="5508149" cy="694521"/>
+            <a:off x="486016" y="894583"/>
+            <a:ext cx="5508149" cy="617276"/>
           </a:xfrm>
         </p:spPr>
         <p:txBody>
@@ -622,8 +622,8 @@
         </p:nvSpPr>
         <p:spPr>
           <a:xfrm>
-            <a:off x="972030" y="1836055"/>
-            <a:ext cx="4536122" cy="828022"/>
+            <a:off x="972030" y="1631848"/>
+            <a:ext cx="4536122" cy="735929"/>
           </a:xfrm>
         </p:spPr>
         <p:txBody>
@@ -747,7 +747,7 @@
             <a:fld id="{1D8BD707-D9CF-40AE-B4C6-C98DA3205C09}" type="datetimeFigureOut">
               <a:rPr lang="en-US" smtClean="0"/>
               <a:pPr/>
-              <a:t>8/27/2018</a:t>
+              <a:t>3/18/2018</a:t>
             </a:fld>
             <a:endParaRPr lang="en-US"/>
           </a:p>
@@ -914,7 +914,7 @@
             <a:fld id="{1D8BD707-D9CF-40AE-B4C6-C98DA3205C09}" type="datetimeFigureOut">
               <a:rPr lang="en-US" smtClean="0"/>
               <a:pPr/>
-              <a:t>8/27/2018</a:t>
+              <a:t>3/18/2018</a:t>
             </a:fld>
             <a:endParaRPr lang="en-US"/>
           </a:p>
@@ -1000,8 +1000,8 @@
         </p:nvSpPr>
         <p:spPr>
           <a:xfrm>
-            <a:off x="4698134" y="129755"/>
-            <a:ext cx="1458040" cy="2764574"/>
+            <a:off x="4698134" y="115323"/>
+            <a:ext cx="1458040" cy="2457098"/>
           </a:xfrm>
         </p:spPr>
         <p:txBody>
@@ -1028,8 +1028,8 @@
         </p:nvSpPr>
         <p:spPr>
           <a:xfrm>
-            <a:off x="324011" y="129755"/>
-            <a:ext cx="4266116" cy="2764574"/>
+            <a:off x="324011" y="115323"/>
+            <a:ext cx="4266116" cy="2457098"/>
           </a:xfrm>
         </p:spPr>
         <p:txBody>
@@ -1091,7 +1091,7 @@
             <a:fld id="{1D8BD707-D9CF-40AE-B4C6-C98DA3205C09}" type="datetimeFigureOut">
               <a:rPr lang="en-US" smtClean="0"/>
               <a:pPr/>
-              <a:t>8/27/2018</a:t>
+              <a:t>3/18/2018</a:t>
             </a:fld>
             <a:endParaRPr lang="en-US"/>
           </a:p>
@@ -1258,7 +1258,7 @@
             <a:fld id="{1D8BD707-D9CF-40AE-B4C6-C98DA3205C09}" type="datetimeFigureOut">
               <a:rPr lang="en-US" smtClean="0"/>
               <a:pPr/>
-              <a:t>8/27/2018</a:t>
+              <a:t>3/18/2018</a:t>
             </a:fld>
             <a:endParaRPr lang="en-US"/>
           </a:p>
@@ -1344,8 +1344,8 @@
         </p:nvSpPr>
         <p:spPr>
           <a:xfrm>
-            <a:off x="511893" y="2082068"/>
-            <a:ext cx="5508149" cy="643517"/>
+            <a:off x="511892" y="1850499"/>
+            <a:ext cx="5508149" cy="571945"/>
           </a:xfrm>
         </p:spPr>
         <p:txBody>
@@ -1376,8 +1376,8 @@
         </p:nvSpPr>
         <p:spPr>
           <a:xfrm>
-            <a:off x="511893" y="1373292"/>
-            <a:ext cx="5508149" cy="708770"/>
+            <a:off x="511892" y="1220554"/>
+            <a:ext cx="5508149" cy="629940"/>
           </a:xfrm>
         </p:spPr>
         <p:txBody>
@@ -1501,7 +1501,7 @@
             <a:fld id="{1D8BD707-D9CF-40AE-B4C6-C98DA3205C09}" type="datetimeFigureOut">
               <a:rPr lang="en-US" smtClean="0"/>
               <a:pPr/>
-              <a:t>8/27/2018</a:t>
+              <a:t>3/18/2018</a:t>
             </a:fld>
             <a:endParaRPr lang="en-US"/>
           </a:p>
@@ -1610,8 +1610,8 @@
         </p:nvSpPr>
         <p:spPr>
           <a:xfrm>
-            <a:off x="324009" y="756026"/>
-            <a:ext cx="2862078" cy="2138309"/>
+            <a:off x="324009" y="671940"/>
+            <a:ext cx="2862078" cy="1900486"/>
           </a:xfrm>
         </p:spPr>
         <p:txBody>
@@ -1695,8 +1695,8 @@
         </p:nvSpPr>
         <p:spPr>
           <a:xfrm>
-            <a:off x="3294090" y="756026"/>
-            <a:ext cx="2862078" cy="2138309"/>
+            <a:off x="3294090" y="671940"/>
+            <a:ext cx="2862078" cy="1900486"/>
           </a:xfrm>
         </p:spPr>
         <p:txBody>
@@ -1786,7 +1786,7 @@
             <a:fld id="{1D8BD707-D9CF-40AE-B4C6-C98DA3205C09}" type="datetimeFigureOut">
               <a:rPr lang="en-US" smtClean="0"/>
               <a:pPr/>
-              <a:t>8/27/2018</a:t>
+              <a:t>3/18/2018</a:t>
             </a:fld>
             <a:endParaRPr lang="en-US"/>
           </a:p>
@@ -1899,8 +1899,8 @@
         </p:nvSpPr>
         <p:spPr>
           <a:xfrm>
-            <a:off x="324012" y="725278"/>
-            <a:ext cx="2863203" cy="302256"/>
+            <a:off x="324010" y="644611"/>
+            <a:ext cx="2863203" cy="268639"/>
           </a:xfrm>
         </p:spPr>
         <p:txBody>
@@ -1964,8 +1964,8 @@
         </p:nvSpPr>
         <p:spPr>
           <a:xfrm>
-            <a:off x="324012" y="1027536"/>
-            <a:ext cx="2863203" cy="1866801"/>
+            <a:off x="324010" y="913253"/>
+            <a:ext cx="2863203" cy="1659175"/>
           </a:xfrm>
         </p:spPr>
         <p:txBody>
@@ -2049,8 +2049,8 @@
         </p:nvSpPr>
         <p:spPr>
           <a:xfrm>
-            <a:off x="3291846" y="725278"/>
-            <a:ext cx="2864327" cy="302256"/>
+            <a:off x="3291844" y="644611"/>
+            <a:ext cx="2864327" cy="268639"/>
           </a:xfrm>
         </p:spPr>
         <p:txBody>
@@ -2114,8 +2114,8 @@
         </p:nvSpPr>
         <p:spPr>
           <a:xfrm>
-            <a:off x="3291846" y="1027536"/>
-            <a:ext cx="2864327" cy="1866801"/>
+            <a:off x="3291844" y="913253"/>
+            <a:ext cx="2864327" cy="1659175"/>
           </a:xfrm>
         </p:spPr>
         <p:txBody>
@@ -2205,7 +2205,7 @@
             <a:fld id="{1D8BD707-D9CF-40AE-B4C6-C98DA3205C09}" type="datetimeFigureOut">
               <a:rPr lang="en-US" smtClean="0"/>
               <a:pPr/>
-              <a:t>8/27/2018</a:t>
+              <a:t>3/18/2018</a:t>
             </a:fld>
             <a:endParaRPr lang="en-US"/>
           </a:p>
@@ -2320,7 +2320,7 @@
             <a:fld id="{1D8BD707-D9CF-40AE-B4C6-C98DA3205C09}" type="datetimeFigureOut">
               <a:rPr lang="en-US" smtClean="0"/>
               <a:pPr/>
-              <a:t>8/27/2018</a:t>
+              <a:t>3/18/2018</a:t>
             </a:fld>
             <a:endParaRPr lang="en-US"/>
           </a:p>
@@ -2412,7 +2412,7 @@
             <a:fld id="{1D8BD707-D9CF-40AE-B4C6-C98DA3205C09}" type="datetimeFigureOut">
               <a:rPr lang="en-US" smtClean="0"/>
               <a:pPr/>
-              <a:t>8/27/2018</a:t>
+              <a:t>3/18/2018</a:t>
             </a:fld>
             <a:endParaRPr lang="en-US"/>
           </a:p>
@@ -2498,8 +2498,8 @@
         </p:nvSpPr>
         <p:spPr>
           <a:xfrm>
-            <a:off x="324012" y="129009"/>
-            <a:ext cx="2131934" cy="549014"/>
+            <a:off x="324012" y="114660"/>
+            <a:ext cx="2131934" cy="487953"/>
           </a:xfrm>
         </p:spPr>
         <p:txBody>
@@ -2530,8 +2530,8 @@
         </p:nvSpPr>
         <p:spPr>
           <a:xfrm>
-            <a:off x="2533570" y="129012"/>
-            <a:ext cx="3622598" cy="2765324"/>
+            <a:off x="2533570" y="114662"/>
+            <a:ext cx="3622598" cy="2457765"/>
           </a:xfrm>
         </p:spPr>
         <p:txBody>
@@ -2615,8 +2615,8 @@
         </p:nvSpPr>
         <p:spPr>
           <a:xfrm>
-            <a:off x="324012" y="678021"/>
-            <a:ext cx="2131934" cy="2216310"/>
+            <a:off x="324012" y="602611"/>
+            <a:ext cx="2131934" cy="1969812"/>
           </a:xfrm>
         </p:spPr>
         <p:txBody>
@@ -2686,7 +2686,7 @@
             <a:fld id="{1D8BD707-D9CF-40AE-B4C6-C98DA3205C09}" type="datetimeFigureOut">
               <a:rPr lang="en-US" smtClean="0"/>
               <a:pPr/>
-              <a:t>8/27/2018</a:t>
+              <a:t>3/18/2018</a:t>
             </a:fld>
             <a:endParaRPr lang="en-US"/>
           </a:p>
@@ -2772,8 +2772,8 @@
         </p:nvSpPr>
         <p:spPr>
           <a:xfrm>
-            <a:off x="1270165" y="2268072"/>
-            <a:ext cx="3888105" cy="267757"/>
+            <a:off x="1270163" y="2015816"/>
+            <a:ext cx="3888105" cy="237977"/>
           </a:xfrm>
         </p:spPr>
         <p:txBody>
@@ -2804,8 +2804,8 @@
         </p:nvSpPr>
         <p:spPr>
           <a:xfrm>
-            <a:off x="1270165" y="289517"/>
-            <a:ext cx="3888105" cy="1944053"/>
+            <a:off x="1270163" y="257316"/>
+            <a:ext cx="3888105" cy="1727835"/>
           </a:xfrm>
         </p:spPr>
         <p:txBody>
@@ -2865,8 +2865,8 @@
         </p:nvSpPr>
         <p:spPr>
           <a:xfrm>
-            <a:off x="1270165" y="2535821"/>
-            <a:ext cx="3888105" cy="380261"/>
+            <a:off x="1270163" y="2253787"/>
+            <a:ext cx="3888105" cy="337968"/>
           </a:xfrm>
         </p:spPr>
         <p:txBody>
@@ -2936,7 +2936,7 @@
             <a:fld id="{1D8BD707-D9CF-40AE-B4C6-C98DA3205C09}" type="datetimeFigureOut">
               <a:rPr lang="en-US" smtClean="0"/>
               <a:pPr/>
-              <a:t>8/27/2018</a:t>
+              <a:t>3/18/2018</a:t>
             </a:fld>
             <a:endParaRPr lang="en-US"/>
           </a:p>
@@ -3027,8 +3027,8 @@
         </p:nvSpPr>
         <p:spPr>
           <a:xfrm>
-            <a:off x="324014" y="129762"/>
-            <a:ext cx="5832158" cy="540014"/>
+            <a:off x="324014" y="115329"/>
+            <a:ext cx="5832158" cy="479954"/>
           </a:xfrm>
           <a:prstGeom prst="rect">
             <a:avLst/>
@@ -3060,8 +3060,8 @@
         </p:nvSpPr>
         <p:spPr>
           <a:xfrm>
-            <a:off x="324014" y="756026"/>
-            <a:ext cx="5832158" cy="2138309"/>
+            <a:off x="324014" y="671940"/>
+            <a:ext cx="5832158" cy="1900486"/>
           </a:xfrm>
           <a:prstGeom prst="rect">
             <a:avLst/>
@@ -3122,8 +3122,8 @@
         </p:nvSpPr>
         <p:spPr>
           <a:xfrm>
-            <a:off x="324017" y="3003089"/>
-            <a:ext cx="1512041" cy="172505"/>
+            <a:off x="324015" y="2669085"/>
+            <a:ext cx="1512041" cy="153319"/>
           </a:xfrm>
           <a:prstGeom prst="rect">
             <a:avLst/>
@@ -3146,7 +3146,7 @@
             <a:fld id="{1D8BD707-D9CF-40AE-B4C6-C98DA3205C09}" type="datetimeFigureOut">
               <a:rPr lang="en-US" smtClean="0"/>
               <a:pPr/>
-              <a:t>8/27/2018</a:t>
+              <a:t>3/18/2018</a:t>
             </a:fld>
             <a:endParaRPr lang="en-US"/>
           </a:p>
@@ -3164,8 +3164,8 @@
         </p:nvSpPr>
         <p:spPr>
           <a:xfrm>
-            <a:off x="2214063" y="3003089"/>
-            <a:ext cx="2052056" cy="172505"/>
+            <a:off x="2214063" y="2669085"/>
+            <a:ext cx="2052056" cy="153319"/>
           </a:xfrm>
           <a:prstGeom prst="rect">
             <a:avLst/>
@@ -3201,8 +3201,8 @@
         </p:nvSpPr>
         <p:spPr>
           <a:xfrm>
-            <a:off x="4644133" y="3003089"/>
-            <a:ext cx="1512041" cy="172505"/>
+            <a:off x="4644131" y="2669085"/>
+            <a:ext cx="1512041" cy="153319"/>
           </a:xfrm>
           <a:prstGeom prst="rect">
             <a:avLst/>
@@ -3525,8 +3525,8 @@
         </p:nvSpPr>
         <p:spPr>
           <a:xfrm>
-            <a:off x="3926271" y="115844"/>
-            <a:ext cx="1144800" cy="2952000"/>
+            <a:off x="3926271" y="107260"/>
+            <a:ext cx="1144800" cy="2628000"/>
           </a:xfrm>
           <a:prstGeom prst="roundRect">
             <a:avLst>
@@ -3573,8 +3573,8 @@
         </p:nvSpPr>
         <p:spPr>
           <a:xfrm>
-            <a:off x="2668396" y="115844"/>
-            <a:ext cx="1144800" cy="2952000"/>
+            <a:off x="2668396" y="107260"/>
+            <a:ext cx="1144800" cy="2628000"/>
           </a:xfrm>
           <a:prstGeom prst="roundRect">
             <a:avLst>
@@ -3621,8 +3621,8 @@
         </p:nvSpPr>
         <p:spPr>
           <a:xfrm>
-            <a:off x="1410520" y="115844"/>
-            <a:ext cx="1144800" cy="2952000"/>
+            <a:off x="1410520" y="107260"/>
+            <a:ext cx="1144800" cy="2628000"/>
           </a:xfrm>
           <a:prstGeom prst="roundRect">
             <a:avLst>
@@ -3669,8 +3669,8 @@
         </p:nvSpPr>
         <p:spPr>
           <a:xfrm>
-            <a:off x="146698" y="115844"/>
-            <a:ext cx="1144800" cy="2952000"/>
+            <a:off x="146698" y="107260"/>
+            <a:ext cx="1144800" cy="2628000"/>
           </a:xfrm>
           <a:prstGeom prst="roundRect">
             <a:avLst>
@@ -3717,7 +3717,7 @@
         </p:nvSpPr>
         <p:spPr>
           <a:xfrm>
-            <a:off x="1408239" y="692910"/>
+            <a:off x="1408237" y="684324"/>
             <a:ext cx="1147089" cy="777247"/>
           </a:xfrm>
           <a:prstGeom prst="roundRect">
@@ -3751,6 +3751,16 @@
           <a:lstStyle/>
           <a:p>
             <a:pPr algn="ctr"/>
+            <a:r>
+              <a:rPr lang="en-US" sz="1400" b="1" dirty="0" err="1">
+                <a:solidFill>
+                  <a:schemeClr val="bg1"/>
+                </a:solidFill>
+                <a:latin typeface="Consolas" pitchFamily="49" charset="0"/>
+                <a:cs typeface="Consolas" pitchFamily="49" charset="0"/>
+              </a:rPr>
+              <a:t>QUnit</a:t>
+            </a:r>
             <a:endParaRPr lang="en-US" sz="1400" b="1" dirty="0">
               <a:solidFill>
                 <a:schemeClr val="bg1"/>
@@ -3759,6 +3769,46 @@
               <a:cs typeface="Consolas" pitchFamily="49" charset="0"/>
             </a:endParaRPr>
           </a:p>
+          <a:p>
+            <a:pPr algn="ctr"/>
+            <a:r>
+              <a:rPr lang="en-US" sz="1400" b="1" dirty="0" err="1">
+                <a:solidFill>
+                  <a:schemeClr val="bg1"/>
+                </a:solidFill>
+                <a:latin typeface="Consolas" pitchFamily="49" charset="0"/>
+                <a:cs typeface="Consolas" pitchFamily="49" charset="0"/>
+              </a:rPr>
+              <a:t>TestNG</a:t>
+            </a:r>
+            <a:endParaRPr lang="en-US" sz="1400" b="1" dirty="0">
+              <a:solidFill>
+                <a:schemeClr val="bg1"/>
+              </a:solidFill>
+              <a:latin typeface="Consolas" pitchFamily="49" charset="0"/>
+              <a:cs typeface="Consolas" pitchFamily="49" charset="0"/>
+            </a:endParaRPr>
+          </a:p>
+          <a:p>
+            <a:pPr algn="ctr"/>
+            <a:r>
+              <a:rPr lang="en-US" sz="1400" b="1" dirty="0">
+                <a:solidFill>
+                  <a:schemeClr val="bg1"/>
+                </a:solidFill>
+                <a:latin typeface="Consolas" pitchFamily="49" charset="0"/>
+                <a:cs typeface="Consolas" pitchFamily="49" charset="0"/>
+              </a:rPr>
+              <a:t>Selenium</a:t>
+            </a:r>
+            <a:endParaRPr lang="en-SG" sz="1400" b="1" dirty="0">
+              <a:solidFill>
+                <a:schemeClr val="bg1"/>
+              </a:solidFill>
+              <a:latin typeface="Consolas" pitchFamily="49" charset="0"/>
+              <a:cs typeface="Consolas" pitchFamily="49" charset="0"/>
+            </a:endParaRPr>
+          </a:p>
         </p:txBody>
       </p:sp>
       <p:sp>
@@ -3769,7 +3819,7 @@
         </p:nvSpPr>
         <p:spPr>
           <a:xfrm>
-            <a:off x="146169" y="692909"/>
+            <a:off x="146169" y="684323"/>
             <a:ext cx="1145330" cy="1806373"/>
           </a:xfrm>
           <a:prstGeom prst="roundRect">
@@ -3820,7 +3870,7 @@
         </p:nvSpPr>
         <p:spPr>
           <a:xfrm>
-            <a:off x="3927645" y="692902"/>
+            <a:off x="3927645" y="684318"/>
             <a:ext cx="1143426" cy="983486"/>
           </a:xfrm>
           <a:prstGeom prst="roundRect">
@@ -3855,6 +3905,19 @@
           <a:p>
             <a:pPr algn="ctr"/>
             <a:r>
+              <a:rPr lang="en-US" sz="1400" b="1" dirty="0">
+                <a:solidFill>
+                  <a:schemeClr val="bg1"/>
+                </a:solidFill>
+                <a:latin typeface="Consolas" pitchFamily="49" charset="0"/>
+                <a:cs typeface="Consolas" pitchFamily="49" charset="0"/>
+              </a:rPr>
+              <a:t>Objectify</a:t>
+            </a:r>
+          </a:p>
+          <a:p>
+            <a:pPr algn="ctr"/>
+            <a:r>
               <a:rPr lang="en-US" sz="1400" b="1" dirty="0" err="1">
                 <a:solidFill>
                   <a:schemeClr val="bg1"/>
@@ -3862,27 +3925,7 @@
                 <a:latin typeface="Consolas" pitchFamily="49" charset="0"/>
                 <a:cs typeface="Consolas" pitchFamily="49" charset="0"/>
               </a:rPr>
-              <a:t>Gradle</a:t>
-            </a:r>
-            <a:endParaRPr lang="en-US" sz="1400" b="1" dirty="0">
-              <a:solidFill>
-                <a:schemeClr val="bg1"/>
-              </a:solidFill>
-              <a:latin typeface="Consolas" pitchFamily="49" charset="0"/>
-              <a:cs typeface="Consolas" pitchFamily="49" charset="0"/>
-            </a:endParaRPr>
-          </a:p>
-          <a:p>
-            <a:pPr algn="ctr"/>
-            <a:r>
-              <a:rPr lang="en-US" sz="1400" b="1" dirty="0">
-                <a:solidFill>
-                  <a:schemeClr val="bg1"/>
-                </a:solidFill>
-                <a:latin typeface="Consolas" pitchFamily="49" charset="0"/>
-                <a:cs typeface="Consolas" pitchFamily="49" charset="0"/>
-              </a:rPr>
-              <a:t>Node.js</a:t>
+              <a:t>Datastore</a:t>
             </a:r>
             <a:endParaRPr lang="en-SG" sz="1400" b="1" dirty="0">
               <a:solidFill>
@@ -3902,7 +3945,7 @@
         </p:nvSpPr>
         <p:spPr>
           <a:xfrm>
-            <a:off x="146169" y="115845"/>
+            <a:off x="146169" y="107261"/>
             <a:ext cx="1145330" cy="532710"/>
           </a:xfrm>
           <a:prstGeom prst="rect">
@@ -3935,7 +3978,7 @@
         </p:nvSpPr>
         <p:spPr>
           <a:xfrm>
-            <a:off x="1394867" y="115845"/>
+            <a:off x="1394865" y="107261"/>
             <a:ext cx="1185431" cy="532710"/>
           </a:xfrm>
           <a:prstGeom prst="rect">
@@ -3955,13 +3998,8 @@
                   <a:schemeClr val="bg1"/>
                 </a:solidFill>
               </a:rPr>
-              <a:t>Front-end developer</a:t>
-            </a:r>
-            <a:endParaRPr lang="en-US" sz="1431" b="1" dirty="0">
-              <a:solidFill>
-                <a:schemeClr val="bg1"/>
-              </a:solidFill>
-            </a:endParaRPr>
+              <a:t>Test developer</a:t>
+            </a:r>
           </a:p>
         </p:txBody>
       </p:sp>
@@ -3973,7 +4011,7 @@
         </p:nvSpPr>
         <p:spPr>
           <a:xfrm>
-            <a:off x="2668396" y="115052"/>
+            <a:off x="2668396" y="106468"/>
             <a:ext cx="1144800" cy="532710"/>
           </a:xfrm>
           <a:prstGeom prst="rect">
@@ -3988,18 +4026,21 @@
           <a:p>
             <a:pPr algn="ctr"/>
             <a:r>
+              <a:rPr lang="en-US" sz="1431" b="1" dirty="0" smtClean="0">
+                <a:solidFill>
+                  <a:schemeClr val="bg1"/>
+                </a:solidFill>
+              </a:rPr>
+              <a:t>Front end </a:t>
+            </a:r>
+            <a:r>
               <a:rPr lang="en-US" sz="1431" b="1" dirty="0">
                 <a:solidFill>
                   <a:schemeClr val="bg1"/>
                 </a:solidFill>
               </a:rPr>
-              <a:t>Test developer</a:t>
-            </a:r>
-            <a:endParaRPr lang="en-US" sz="1431" b="1" dirty="0">
-              <a:solidFill>
-                <a:schemeClr val="bg1"/>
-              </a:solidFill>
-            </a:endParaRPr>
+              <a:t>developer</a:t>
+            </a:r>
           </a:p>
         </p:txBody>
       </p:sp>
@@ -4011,7 +4052,7 @@
         </p:nvSpPr>
         <p:spPr>
           <a:xfrm>
-            <a:off x="3926271" y="109351"/>
+            <a:off x="3926271" y="100767"/>
             <a:ext cx="1144800" cy="532710"/>
           </a:xfrm>
           <a:prstGeom prst="rect">
@@ -4030,18 +4071,21 @@
               </a:tabLst>
             </a:pPr>
             <a:r>
+              <a:rPr lang="en-US" sz="1431" b="1" dirty="0" smtClean="0">
+                <a:solidFill>
+                  <a:schemeClr val="bg1"/>
+                </a:solidFill>
+              </a:rPr>
+              <a:t>Back end </a:t>
+            </a:r>
+            <a:r>
               <a:rPr lang="en-US" sz="1431" b="1" dirty="0">
                 <a:solidFill>
                   <a:schemeClr val="bg1"/>
                 </a:solidFill>
               </a:rPr>
-              <a:t>DevOps developer</a:t>
-            </a:r>
-            <a:endParaRPr lang="en-US" sz="1431" b="1" dirty="0">
-              <a:solidFill>
-                <a:schemeClr val="bg1"/>
-              </a:solidFill>
-            </a:endParaRPr>
+              <a:t>developer</a:t>
+            </a:r>
           </a:p>
         </p:txBody>
       </p:sp>
@@ -4053,8 +4097,8 @@
         </p:nvSpPr>
         <p:spPr>
           <a:xfrm>
-            <a:off x="5182822" y="113644"/>
-            <a:ext cx="1144800" cy="2952000"/>
+            <a:off x="5182822" y="105060"/>
+            <a:ext cx="1144800" cy="2628000"/>
           </a:xfrm>
           <a:prstGeom prst="roundRect">
             <a:avLst>
@@ -4101,7 +4145,7 @@
         </p:nvSpPr>
         <p:spPr>
           <a:xfrm>
-            <a:off x="5207797" y="708002"/>
+            <a:off x="5207795" y="699416"/>
             <a:ext cx="1119831" cy="777247"/>
           </a:xfrm>
           <a:prstGeom prst="roundRect">
@@ -4136,6 +4180,26 @@
           <a:p>
             <a:pPr algn="ctr"/>
             <a:r>
+              <a:rPr lang="en-US" sz="1400" b="1" dirty="0" err="1">
+                <a:solidFill>
+                  <a:schemeClr val="bg1"/>
+                </a:solidFill>
+                <a:latin typeface="Consolas" pitchFamily="49" charset="0"/>
+                <a:cs typeface="Consolas" pitchFamily="49" charset="0"/>
+              </a:rPr>
+              <a:t>Gradle</a:t>
+            </a:r>
+            <a:endParaRPr lang="en-US" sz="1400" b="1" dirty="0">
+              <a:solidFill>
+                <a:schemeClr val="bg1"/>
+              </a:solidFill>
+              <a:latin typeface="Consolas" pitchFamily="49" charset="0"/>
+              <a:cs typeface="Consolas" pitchFamily="49" charset="0"/>
+            </a:endParaRPr>
+          </a:p>
+          <a:p>
+            <a:pPr algn="ctr"/>
+            <a:r>
               <a:rPr lang="en-US" sz="1400" b="1" dirty="0">
                 <a:solidFill>
                   <a:schemeClr val="bg1"/>
@@ -4143,28 +4207,8 @@
                 <a:latin typeface="Consolas" pitchFamily="49" charset="0"/>
                 <a:cs typeface="Consolas" pitchFamily="49" charset="0"/>
               </a:rPr>
-              <a:t>Objectify</a:t>
-            </a:r>
-          </a:p>
-          <a:p>
-            <a:pPr algn="ctr"/>
-            <a:r>
-              <a:rPr lang="en-US" sz="1400" b="1" dirty="0" err="1">
-                <a:solidFill>
-                  <a:schemeClr val="bg1"/>
-                </a:solidFill>
-                <a:latin typeface="Consolas" pitchFamily="49" charset="0"/>
-                <a:cs typeface="Consolas" pitchFamily="49" charset="0"/>
-              </a:rPr>
-              <a:t>Datastore</a:t>
-            </a:r>
-            <a:endParaRPr lang="en-US" sz="1400" b="1" dirty="0">
-              <a:solidFill>
-                <a:schemeClr val="bg1"/>
-              </a:solidFill>
-              <a:latin typeface="Consolas" pitchFamily="49" charset="0"/>
-              <a:cs typeface="Consolas" pitchFamily="49" charset="0"/>
-            </a:endParaRPr>
+              <a:t>Node.js</a:t>
+            </a:r>
           </a:p>
         </p:txBody>
       </p:sp>
@@ -4176,7 +4220,7 @@
         </p:nvSpPr>
         <p:spPr>
           <a:xfrm>
-            <a:off x="5207797" y="124445"/>
+            <a:off x="5207795" y="115861"/>
             <a:ext cx="1119831" cy="532710"/>
           </a:xfrm>
           <a:prstGeom prst="rect">
@@ -4200,13 +4244,8 @@
                   <a:schemeClr val="bg1"/>
                 </a:solidFill>
               </a:rPr>
-              <a:t>Back-end developer</a:t>
-            </a:r>
-            <a:endParaRPr lang="en-US" sz="1431" b="1" dirty="0">
-              <a:solidFill>
-                <a:schemeClr val="bg1"/>
-              </a:solidFill>
-            </a:endParaRPr>
+              <a:t>DevOps developer</a:t>
+            </a:r>
           </a:p>
         </p:txBody>
       </p:sp>
@@ -4218,8 +4257,8 @@
         </p:nvSpPr>
         <p:spPr>
           <a:xfrm>
-            <a:off x="195691" y="2267008"/>
-            <a:ext cx="2304000" cy="321793"/>
+            <a:off x="195691" y="1984029"/>
+            <a:ext cx="3566869" cy="321793"/>
           </a:xfrm>
           <a:prstGeom prst="roundRect">
             <a:avLst>
@@ -4262,7 +4301,7 @@
                 <a:latin typeface="Consolas" pitchFamily="49" charset="0"/>
                 <a:cs typeface="Consolas" pitchFamily="49" charset="0"/>
               </a:rPr>
-              <a:t>HTML, </a:t>
+              <a:t>HTML, CSS, JavaScript, </a:t>
             </a:r>
             <a:r>
               <a:rPr lang="en-SG" sz="1400" b="1" dirty="0">
@@ -4272,27 +4311,7 @@
                 <a:latin typeface="Consolas" pitchFamily="49" charset="0"/>
                 <a:cs typeface="Consolas" pitchFamily="49" charset="0"/>
               </a:rPr>
-              <a:t>SCSS</a:t>
-            </a:r>
-            <a:r>
-              <a:rPr lang="en-SG" sz="1400" b="1" dirty="0">
-                <a:solidFill>
-                  <a:schemeClr val="tx1"/>
-                </a:solidFill>
-                <a:latin typeface="Consolas" pitchFamily="49" charset="0"/>
-                <a:cs typeface="Consolas" pitchFamily="49" charset="0"/>
-              </a:rPr>
-              <a:t>, </a:t>
-            </a:r>
-            <a:r>
-              <a:rPr lang="en-SG" sz="1400" b="1" dirty="0">
-                <a:solidFill>
-                  <a:schemeClr val="tx1"/>
-                </a:solidFill>
-                <a:latin typeface="Consolas" pitchFamily="49" charset="0"/>
-                <a:cs typeface="Consolas" pitchFamily="49" charset="0"/>
-              </a:rPr>
-              <a:t>Bootstrap</a:t>
+              <a:t>JSP</a:t>
             </a:r>
             <a:endParaRPr lang="en-SG" sz="1400" b="1" dirty="0">
               <a:solidFill>
@@ -4312,8 +4331,8 @@
         </p:nvSpPr>
         <p:spPr>
           <a:xfrm>
-            <a:off x="2706687" y="1505008"/>
-            <a:ext cx="3581400" cy="321793"/>
+            <a:off x="1458877" y="1606864"/>
+            <a:ext cx="4755280" cy="321793"/>
           </a:xfrm>
           <a:prstGeom prst="roundRect">
             <a:avLst>
@@ -4356,7 +4375,27 @@
                 <a:latin typeface="Consolas" pitchFamily="49" charset="0"/>
                 <a:cs typeface="Consolas" pitchFamily="49" charset="0"/>
               </a:rPr>
-              <a:t>Java, Servlet, Google App Engine</a:t>
+              <a:t>Java, </a:t>
+            </a:r>
+            <a:r>
+              <a:rPr lang="en-US" sz="1400" b="1" dirty="0">
+                <a:solidFill>
+                  <a:schemeClr val="tx1"/>
+                </a:solidFill>
+                <a:latin typeface="Consolas" pitchFamily="49" charset="0"/>
+                <a:cs typeface="Consolas" pitchFamily="49" charset="0"/>
+              </a:rPr>
+              <a:t>Servlet, </a:t>
+            </a:r>
+            <a:r>
+              <a:rPr lang="en-US" sz="1400" b="1" dirty="0">
+                <a:solidFill>
+                  <a:schemeClr val="tx1"/>
+                </a:solidFill>
+                <a:latin typeface="Consolas" pitchFamily="49" charset="0"/>
+                <a:cs typeface="Consolas" pitchFamily="49" charset="0"/>
+              </a:rPr>
+              <a:t>Google App Engine</a:t>
             </a:r>
             <a:endParaRPr lang="en-SG" sz="1400" b="1" dirty="0">
               <a:solidFill>
@@ -4376,8 +4415,8 @@
         </p:nvSpPr>
         <p:spPr>
           <a:xfrm>
-            <a:off x="201273" y="2665000"/>
-            <a:ext cx="6086814" cy="307444"/>
+            <a:off x="201273" y="2359269"/>
+            <a:ext cx="6012884" cy="307444"/>
           </a:xfrm>
           <a:prstGeom prst="roundRect">
             <a:avLst>
@@ -4440,7 +4479,7 @@
         </p:nvCxnSpPr>
         <p:spPr>
           <a:xfrm>
-            <a:off x="39687" y="669843"/>
+            <a:off x="39687" y="661259"/>
             <a:ext cx="6372000" cy="0"/>
           </a:xfrm>
           <a:prstGeom prst="line">
@@ -4476,7 +4515,7 @@
         </p:nvSpPr>
         <p:spPr>
           <a:xfrm>
-            <a:off x="2674341" y="692910"/>
+            <a:off x="2674341" y="684324"/>
             <a:ext cx="1123844" cy="777247"/>
           </a:xfrm>
           <a:prstGeom prst="roundRect">
@@ -4511,26 +4550,6 @@
           <a:p>
             <a:pPr algn="ctr"/>
             <a:r>
-              <a:rPr lang="en-US" sz="1400" b="1" dirty="0" err="1">
-                <a:solidFill>
-                  <a:schemeClr val="bg1"/>
-                </a:solidFill>
-                <a:latin typeface="Consolas" pitchFamily="49" charset="0"/>
-                <a:cs typeface="Consolas" pitchFamily="49" charset="0"/>
-              </a:rPr>
-              <a:t>TestNG</a:t>
-            </a:r>
-            <a:endParaRPr lang="en-US" sz="1400" b="1" dirty="0">
-              <a:solidFill>
-                <a:schemeClr val="bg1"/>
-              </a:solidFill>
-              <a:latin typeface="Consolas" pitchFamily="49" charset="0"/>
-              <a:cs typeface="Consolas" pitchFamily="49" charset="0"/>
-            </a:endParaRPr>
-          </a:p>
-          <a:p>
-            <a:pPr algn="ctr"/>
-            <a:r>
               <a:rPr lang="en-US" sz="1400" b="1" dirty="0">
                 <a:solidFill>
                   <a:schemeClr val="bg1"/>
@@ -4538,7 +4557,7 @@
                 <a:latin typeface="Consolas" pitchFamily="49" charset="0"/>
                 <a:cs typeface="Consolas" pitchFamily="49" charset="0"/>
               </a:rPr>
-              <a:t>Selenium</a:t>
+              <a:t>jQuery</a:t>
             </a:r>
           </a:p>
           <a:p>
@@ -4551,78 +4570,11 @@
                 <a:latin typeface="Consolas" pitchFamily="49" charset="0"/>
                 <a:cs typeface="Consolas" pitchFamily="49" charset="0"/>
               </a:rPr>
-              <a:t>Jasmine</a:t>
-            </a:r>
-          </a:p>
-        </p:txBody>
-      </p:sp>
-      <p:sp>
-        <p:nvSpPr>
-          <p:cNvPr id="27" name="Rounded Rectangle 26"/>
-          <p:cNvSpPr/>
-          <p:nvPr/>
-        </p:nvSpPr>
-        <p:spPr>
-          <a:xfrm>
-            <a:off x="195691" y="1886008"/>
-            <a:ext cx="4824000" cy="321793"/>
-          </a:xfrm>
-          <a:prstGeom prst="roundRect">
-            <a:avLst>
-              <a:gd name="adj" fmla="val 9190"/>
-            </a:avLst>
-          </a:prstGeom>
-          <a:ln/>
-        </p:spPr>
-        <p:style>
-          <a:lnRef idx="2">
-            <a:schemeClr val="accent6">
-              <a:shade val="50000"/>
-            </a:schemeClr>
-          </a:lnRef>
-          <a:fillRef idx="1">
-            <a:schemeClr val="accent6"/>
-          </a:fillRef>
-          <a:effectRef idx="0">
-            <a:schemeClr val="accent6"/>
-          </a:effectRef>
-          <a:fontRef idx="minor">
-            <a:schemeClr val="lt1"/>
-          </a:fontRef>
-        </p:style>
-        <p:txBody>
-          <a:bodyPr rot="0" spcFirstLastPara="0" vertOverflow="overflow" horzOverflow="overflow" vert="horz" wrap="square" lIns="91440" tIns="45720" rIns="91440" bIns="45720" numCol="1" spcCol="0" rtlCol="0" fromWordArt="0" anchor="ctr" anchorCtr="0" forceAA="0" compatLnSpc="1">
-            <a:prstTxWarp prst="textNoShape">
-              <a:avLst/>
-            </a:prstTxWarp>
-            <a:noAutofit/>
-          </a:bodyPr>
-          <a:lstStyle/>
-          <a:p>
-            <a:pPr algn="ctr"/>
-            <a:r>
-              <a:rPr lang="en-SG" sz="1400" b="1" dirty="0">
-                <a:solidFill>
-                  <a:schemeClr val="tx1"/>
-                </a:solidFill>
-                <a:latin typeface="Consolas" pitchFamily="49" charset="0"/>
-                <a:cs typeface="Consolas" pitchFamily="49" charset="0"/>
-              </a:rPr>
-              <a:t>Angular, </a:t>
-            </a:r>
-            <a:r>
-              <a:rPr lang="en-SG" sz="1400" b="1" dirty="0" err="1">
-                <a:solidFill>
-                  <a:schemeClr val="tx1"/>
-                </a:solidFill>
-                <a:latin typeface="Consolas" pitchFamily="49" charset="0"/>
-                <a:cs typeface="Consolas" pitchFamily="49" charset="0"/>
-              </a:rPr>
-              <a:t>TypeScript</a:t>
+              <a:t>Bootstrap</a:t>
             </a:r>
             <a:endParaRPr lang="en-SG" sz="1400" b="1" dirty="0">
               <a:solidFill>
-                <a:schemeClr val="tx1"/>
+                <a:schemeClr val="bg1"/>
               </a:solidFill>
               <a:latin typeface="Consolas" pitchFamily="49" charset="0"/>
               <a:cs typeface="Consolas" pitchFamily="49" charset="0"/>

--- a/docs/images/RolesAndTechnologies.pptx
+++ b/docs/images/RolesAndTechnologies.pptx
@@ -208,7 +208,7 @@
           <a:p>
             <a:fld id="{EB56B9F1-9881-483D-AC17-B3C6E9A32E68}" type="datetimeFigureOut">
               <a:rPr lang="en-SG" smtClean="0"/>
-              <a:t>27/8/2018</a:t>
+              <a:t>7/12/2018</a:t>
             </a:fld>
             <a:endParaRPr lang="en-SG"/>
           </a:p>
@@ -747,7 +747,7 @@
             <a:fld id="{1D8BD707-D9CF-40AE-B4C6-C98DA3205C09}" type="datetimeFigureOut">
               <a:rPr lang="en-US" smtClean="0"/>
               <a:pPr/>
-              <a:t>8/27/2018</a:t>
+              <a:t>12/7/2018</a:t>
             </a:fld>
             <a:endParaRPr lang="en-US"/>
           </a:p>
@@ -914,7 +914,7 @@
             <a:fld id="{1D8BD707-D9CF-40AE-B4C6-C98DA3205C09}" type="datetimeFigureOut">
               <a:rPr lang="en-US" smtClean="0"/>
               <a:pPr/>
-              <a:t>8/27/2018</a:t>
+              <a:t>12/7/2018</a:t>
             </a:fld>
             <a:endParaRPr lang="en-US"/>
           </a:p>
@@ -1091,7 +1091,7 @@
             <a:fld id="{1D8BD707-D9CF-40AE-B4C6-C98DA3205C09}" type="datetimeFigureOut">
               <a:rPr lang="en-US" smtClean="0"/>
               <a:pPr/>
-              <a:t>8/27/2018</a:t>
+              <a:t>12/7/2018</a:t>
             </a:fld>
             <a:endParaRPr lang="en-US"/>
           </a:p>
@@ -1258,7 +1258,7 @@
             <a:fld id="{1D8BD707-D9CF-40AE-B4C6-C98DA3205C09}" type="datetimeFigureOut">
               <a:rPr lang="en-US" smtClean="0"/>
               <a:pPr/>
-              <a:t>8/27/2018</a:t>
+              <a:t>12/7/2018</a:t>
             </a:fld>
             <a:endParaRPr lang="en-US"/>
           </a:p>
@@ -1501,7 +1501,7 @@
             <a:fld id="{1D8BD707-D9CF-40AE-B4C6-C98DA3205C09}" type="datetimeFigureOut">
               <a:rPr lang="en-US" smtClean="0"/>
               <a:pPr/>
-              <a:t>8/27/2018</a:t>
+              <a:t>12/7/2018</a:t>
             </a:fld>
             <a:endParaRPr lang="en-US"/>
           </a:p>
@@ -1786,7 +1786,7 @@
             <a:fld id="{1D8BD707-D9CF-40AE-B4C6-C98DA3205C09}" type="datetimeFigureOut">
               <a:rPr lang="en-US" smtClean="0"/>
               <a:pPr/>
-              <a:t>8/27/2018</a:t>
+              <a:t>12/7/2018</a:t>
             </a:fld>
             <a:endParaRPr lang="en-US"/>
           </a:p>
@@ -2205,7 +2205,7 @@
             <a:fld id="{1D8BD707-D9CF-40AE-B4C6-C98DA3205C09}" type="datetimeFigureOut">
               <a:rPr lang="en-US" smtClean="0"/>
               <a:pPr/>
-              <a:t>8/27/2018</a:t>
+              <a:t>12/7/2018</a:t>
             </a:fld>
             <a:endParaRPr lang="en-US"/>
           </a:p>
@@ -2320,7 +2320,7 @@
             <a:fld id="{1D8BD707-D9CF-40AE-B4C6-C98DA3205C09}" type="datetimeFigureOut">
               <a:rPr lang="en-US" smtClean="0"/>
               <a:pPr/>
-              <a:t>8/27/2018</a:t>
+              <a:t>12/7/2018</a:t>
             </a:fld>
             <a:endParaRPr lang="en-US"/>
           </a:p>
@@ -2412,7 +2412,7 @@
             <a:fld id="{1D8BD707-D9CF-40AE-B4C6-C98DA3205C09}" type="datetimeFigureOut">
               <a:rPr lang="en-US" smtClean="0"/>
               <a:pPr/>
-              <a:t>8/27/2018</a:t>
+              <a:t>12/7/2018</a:t>
             </a:fld>
             <a:endParaRPr lang="en-US"/>
           </a:p>
@@ -2686,7 +2686,7 @@
             <a:fld id="{1D8BD707-D9CF-40AE-B4C6-C98DA3205C09}" type="datetimeFigureOut">
               <a:rPr lang="en-US" smtClean="0"/>
               <a:pPr/>
-              <a:t>8/27/2018</a:t>
+              <a:t>12/7/2018</a:t>
             </a:fld>
             <a:endParaRPr lang="en-US"/>
           </a:p>
@@ -2936,7 +2936,7 @@
             <a:fld id="{1D8BD707-D9CF-40AE-B4C6-C98DA3205C09}" type="datetimeFigureOut">
               <a:rPr lang="en-US" smtClean="0"/>
               <a:pPr/>
-              <a:t>8/27/2018</a:t>
+              <a:t>12/7/2018</a:t>
             </a:fld>
             <a:endParaRPr lang="en-US"/>
           </a:p>
@@ -3146,7 +3146,7 @@
             <a:fld id="{1D8BD707-D9CF-40AE-B4C6-C98DA3205C09}" type="datetimeFigureOut">
               <a:rPr lang="en-US" smtClean="0"/>
               <a:pPr/>
-              <a:t>8/27/2018</a:t>
+              <a:t>12/7/2018</a:t>
             </a:fld>
             <a:endParaRPr lang="en-US"/>
           </a:p>
@@ -3957,11 +3957,6 @@
               </a:rPr>
               <a:t>Front-end developer</a:t>
             </a:r>
-            <a:endParaRPr lang="en-US" sz="1431" b="1" dirty="0">
-              <a:solidFill>
-                <a:schemeClr val="bg1"/>
-              </a:solidFill>
-            </a:endParaRPr>
           </a:p>
         </p:txBody>
       </p:sp>
@@ -3995,11 +3990,6 @@
               </a:rPr>
               <a:t>Test developer</a:t>
             </a:r>
-            <a:endParaRPr lang="en-US" sz="1431" b="1" dirty="0">
-              <a:solidFill>
-                <a:schemeClr val="bg1"/>
-              </a:solidFill>
-            </a:endParaRPr>
           </a:p>
         </p:txBody>
       </p:sp>
@@ -4037,11 +4027,6 @@
               </a:rPr>
               <a:t>DevOps developer</a:t>
             </a:r>
-            <a:endParaRPr lang="en-US" sz="1431" b="1" dirty="0">
-              <a:solidFill>
-                <a:schemeClr val="bg1"/>
-              </a:solidFill>
-            </a:endParaRPr>
           </a:p>
         </p:txBody>
       </p:sp>
@@ -4202,11 +4187,6 @@
               </a:rPr>
               <a:t>Back-end developer</a:t>
             </a:r>
-            <a:endParaRPr lang="en-US" sz="1431" b="1" dirty="0">
-              <a:solidFill>
-                <a:schemeClr val="bg1"/>
-              </a:solidFill>
-            </a:endParaRPr>
           </a:p>
         </p:txBody>
       </p:sp>
@@ -4262,45 +4242,8 @@
                 <a:latin typeface="Consolas" pitchFamily="49" charset="0"/>
                 <a:cs typeface="Consolas" pitchFamily="49" charset="0"/>
               </a:rPr>
-              <a:t>HTML, </a:t>
-            </a:r>
-            <a:r>
-              <a:rPr lang="en-SG" sz="1400" b="1" dirty="0">
-                <a:solidFill>
-                  <a:schemeClr val="tx1"/>
-                </a:solidFill>
-                <a:latin typeface="Consolas" pitchFamily="49" charset="0"/>
-                <a:cs typeface="Consolas" pitchFamily="49" charset="0"/>
-              </a:rPr>
-              <a:t>SCSS</a:t>
-            </a:r>
-            <a:r>
-              <a:rPr lang="en-SG" sz="1400" b="1" dirty="0">
-                <a:solidFill>
-                  <a:schemeClr val="tx1"/>
-                </a:solidFill>
-                <a:latin typeface="Consolas" pitchFamily="49" charset="0"/>
-                <a:cs typeface="Consolas" pitchFamily="49" charset="0"/>
-              </a:rPr>
-              <a:t>, </a:t>
-            </a:r>
-            <a:r>
-              <a:rPr lang="en-SG" sz="1400" b="1" dirty="0">
-                <a:solidFill>
-                  <a:schemeClr val="tx1"/>
-                </a:solidFill>
-                <a:latin typeface="Consolas" pitchFamily="49" charset="0"/>
-                <a:cs typeface="Consolas" pitchFamily="49" charset="0"/>
-              </a:rPr>
-              <a:t>Bootstrap</a:t>
-            </a:r>
-            <a:endParaRPr lang="en-SG" sz="1400" b="1" dirty="0">
-              <a:solidFill>
-                <a:schemeClr val="tx1"/>
-              </a:solidFill>
-              <a:latin typeface="Consolas" pitchFamily="49" charset="0"/>
-              <a:cs typeface="Consolas" pitchFamily="49" charset="0"/>
-            </a:endParaRPr>
+              <a:t>HTML, SCSS, Bootstrap</a:t>
+            </a:r>
           </a:p>
         </p:txBody>
       </p:sp>
@@ -4544,15 +4487,22 @@
           <a:p>
             <a:pPr algn="ctr"/>
             <a:r>
-              <a:rPr lang="en-US" sz="1400" b="1" dirty="0">
+              <a:rPr lang="en-US" sz="1400" b="1" dirty="0" smtClean="0">
                 <a:solidFill>
                   <a:schemeClr val="bg1"/>
                 </a:solidFill>
                 <a:latin typeface="Consolas" pitchFamily="49" charset="0"/>
                 <a:cs typeface="Consolas" pitchFamily="49" charset="0"/>
               </a:rPr>
-              <a:t>Jasmine</a:t>
-            </a:r>
+              <a:t>Jest</a:t>
+            </a:r>
+            <a:endParaRPr lang="en-US" sz="1400" b="1" dirty="0">
+              <a:solidFill>
+                <a:schemeClr val="bg1"/>
+              </a:solidFill>
+              <a:latin typeface="Consolas" pitchFamily="49" charset="0"/>
+              <a:cs typeface="Consolas" pitchFamily="49" charset="0"/>
+            </a:endParaRPr>
           </a:p>
         </p:txBody>
       </p:sp>

--- a/docs/images/RolesAndTechnologies.pptx
+++ b/docs/images/RolesAndTechnologies.pptx
@@ -208,7 +208,7 @@
           <a:p>
             <a:fld id="{EB56B9F1-9881-483D-AC17-B3C6E9A32E68}" type="datetimeFigureOut">
               <a:rPr lang="en-SG" smtClean="0"/>
-              <a:t>7/12/2018</a:t>
+              <a:t>27/8/2018</a:t>
             </a:fld>
             <a:endParaRPr lang="en-SG"/>
           </a:p>
@@ -747,7 +747,7 @@
             <a:fld id="{1D8BD707-D9CF-40AE-B4C6-C98DA3205C09}" type="datetimeFigureOut">
               <a:rPr lang="en-US" smtClean="0"/>
               <a:pPr/>
-              <a:t>12/7/2018</a:t>
+              <a:t>8/27/2018</a:t>
             </a:fld>
             <a:endParaRPr lang="en-US"/>
           </a:p>
@@ -914,7 +914,7 @@
             <a:fld id="{1D8BD707-D9CF-40AE-B4C6-C98DA3205C09}" type="datetimeFigureOut">
               <a:rPr lang="en-US" smtClean="0"/>
               <a:pPr/>
-              <a:t>12/7/2018</a:t>
+              <a:t>8/27/2018</a:t>
             </a:fld>
             <a:endParaRPr lang="en-US"/>
           </a:p>
@@ -1091,7 +1091,7 @@
             <a:fld id="{1D8BD707-D9CF-40AE-B4C6-C98DA3205C09}" type="datetimeFigureOut">
               <a:rPr lang="en-US" smtClean="0"/>
               <a:pPr/>
-              <a:t>12/7/2018</a:t>
+              <a:t>8/27/2018</a:t>
             </a:fld>
             <a:endParaRPr lang="en-US"/>
           </a:p>
@@ -1258,7 +1258,7 @@
             <a:fld id="{1D8BD707-D9CF-40AE-B4C6-C98DA3205C09}" type="datetimeFigureOut">
               <a:rPr lang="en-US" smtClean="0"/>
               <a:pPr/>
-              <a:t>12/7/2018</a:t>
+              <a:t>8/27/2018</a:t>
             </a:fld>
             <a:endParaRPr lang="en-US"/>
           </a:p>
@@ -1501,7 +1501,7 @@
             <a:fld id="{1D8BD707-D9CF-40AE-B4C6-C98DA3205C09}" type="datetimeFigureOut">
               <a:rPr lang="en-US" smtClean="0"/>
               <a:pPr/>
-              <a:t>12/7/2018</a:t>
+              <a:t>8/27/2018</a:t>
             </a:fld>
             <a:endParaRPr lang="en-US"/>
           </a:p>
@@ -1786,7 +1786,7 @@
             <a:fld id="{1D8BD707-D9CF-40AE-B4C6-C98DA3205C09}" type="datetimeFigureOut">
               <a:rPr lang="en-US" smtClean="0"/>
               <a:pPr/>
-              <a:t>12/7/2018</a:t>
+              <a:t>8/27/2018</a:t>
             </a:fld>
             <a:endParaRPr lang="en-US"/>
           </a:p>
@@ -2205,7 +2205,7 @@
             <a:fld id="{1D8BD707-D9CF-40AE-B4C6-C98DA3205C09}" type="datetimeFigureOut">
               <a:rPr lang="en-US" smtClean="0"/>
               <a:pPr/>
-              <a:t>12/7/2018</a:t>
+              <a:t>8/27/2018</a:t>
             </a:fld>
             <a:endParaRPr lang="en-US"/>
           </a:p>
@@ -2320,7 +2320,7 @@
             <a:fld id="{1D8BD707-D9CF-40AE-B4C6-C98DA3205C09}" type="datetimeFigureOut">
               <a:rPr lang="en-US" smtClean="0"/>
               <a:pPr/>
-              <a:t>12/7/2018</a:t>
+              <a:t>8/27/2018</a:t>
             </a:fld>
             <a:endParaRPr lang="en-US"/>
           </a:p>
@@ -2412,7 +2412,7 @@
             <a:fld id="{1D8BD707-D9CF-40AE-B4C6-C98DA3205C09}" type="datetimeFigureOut">
               <a:rPr lang="en-US" smtClean="0"/>
               <a:pPr/>
-              <a:t>12/7/2018</a:t>
+              <a:t>8/27/2018</a:t>
             </a:fld>
             <a:endParaRPr lang="en-US"/>
           </a:p>
@@ -2686,7 +2686,7 @@
             <a:fld id="{1D8BD707-D9CF-40AE-B4C6-C98DA3205C09}" type="datetimeFigureOut">
               <a:rPr lang="en-US" smtClean="0"/>
               <a:pPr/>
-              <a:t>12/7/2018</a:t>
+              <a:t>8/27/2018</a:t>
             </a:fld>
             <a:endParaRPr lang="en-US"/>
           </a:p>
@@ -2936,7 +2936,7 @@
             <a:fld id="{1D8BD707-D9CF-40AE-B4C6-C98DA3205C09}" type="datetimeFigureOut">
               <a:rPr lang="en-US" smtClean="0"/>
               <a:pPr/>
-              <a:t>12/7/2018</a:t>
+              <a:t>8/27/2018</a:t>
             </a:fld>
             <a:endParaRPr lang="en-US"/>
           </a:p>
@@ -3146,7 +3146,7 @@
             <a:fld id="{1D8BD707-D9CF-40AE-B4C6-C98DA3205C09}" type="datetimeFigureOut">
               <a:rPr lang="en-US" smtClean="0"/>
               <a:pPr/>
-              <a:t>12/7/2018</a:t>
+              <a:t>8/27/2018</a:t>
             </a:fld>
             <a:endParaRPr lang="en-US"/>
           </a:p>
@@ -3957,6 +3957,11 @@
               </a:rPr>
               <a:t>Front-end developer</a:t>
             </a:r>
+            <a:endParaRPr lang="en-US" sz="1431" b="1" dirty="0">
+              <a:solidFill>
+                <a:schemeClr val="bg1"/>
+              </a:solidFill>
+            </a:endParaRPr>
           </a:p>
         </p:txBody>
       </p:sp>
@@ -3990,6 +3995,11 @@
               </a:rPr>
               <a:t>Test developer</a:t>
             </a:r>
+            <a:endParaRPr lang="en-US" sz="1431" b="1" dirty="0">
+              <a:solidFill>
+                <a:schemeClr val="bg1"/>
+              </a:solidFill>
+            </a:endParaRPr>
           </a:p>
         </p:txBody>
       </p:sp>
@@ -4027,6 +4037,11 @@
               </a:rPr>
               <a:t>DevOps developer</a:t>
             </a:r>
+            <a:endParaRPr lang="en-US" sz="1431" b="1" dirty="0">
+              <a:solidFill>
+                <a:schemeClr val="bg1"/>
+              </a:solidFill>
+            </a:endParaRPr>
           </a:p>
         </p:txBody>
       </p:sp>
@@ -4187,6 +4202,11 @@
               </a:rPr>
               <a:t>Back-end developer</a:t>
             </a:r>
+            <a:endParaRPr lang="en-US" sz="1431" b="1" dirty="0">
+              <a:solidFill>
+                <a:schemeClr val="bg1"/>
+              </a:solidFill>
+            </a:endParaRPr>
           </a:p>
         </p:txBody>
       </p:sp>
@@ -4242,8 +4262,45 @@
                 <a:latin typeface="Consolas" pitchFamily="49" charset="0"/>
                 <a:cs typeface="Consolas" pitchFamily="49" charset="0"/>
               </a:rPr>
-              <a:t>HTML, SCSS, Bootstrap</a:t>
-            </a:r>
+              <a:t>HTML, </a:t>
+            </a:r>
+            <a:r>
+              <a:rPr lang="en-SG" sz="1400" b="1" dirty="0">
+                <a:solidFill>
+                  <a:schemeClr val="tx1"/>
+                </a:solidFill>
+                <a:latin typeface="Consolas" pitchFamily="49" charset="0"/>
+                <a:cs typeface="Consolas" pitchFamily="49" charset="0"/>
+              </a:rPr>
+              <a:t>SCSS</a:t>
+            </a:r>
+            <a:r>
+              <a:rPr lang="en-SG" sz="1400" b="1" dirty="0">
+                <a:solidFill>
+                  <a:schemeClr val="tx1"/>
+                </a:solidFill>
+                <a:latin typeface="Consolas" pitchFamily="49" charset="0"/>
+                <a:cs typeface="Consolas" pitchFamily="49" charset="0"/>
+              </a:rPr>
+              <a:t>, </a:t>
+            </a:r>
+            <a:r>
+              <a:rPr lang="en-SG" sz="1400" b="1" dirty="0">
+                <a:solidFill>
+                  <a:schemeClr val="tx1"/>
+                </a:solidFill>
+                <a:latin typeface="Consolas" pitchFamily="49" charset="0"/>
+                <a:cs typeface="Consolas" pitchFamily="49" charset="0"/>
+              </a:rPr>
+              <a:t>Bootstrap</a:t>
+            </a:r>
+            <a:endParaRPr lang="en-SG" sz="1400" b="1" dirty="0">
+              <a:solidFill>
+                <a:schemeClr val="tx1"/>
+              </a:solidFill>
+              <a:latin typeface="Consolas" pitchFamily="49" charset="0"/>
+              <a:cs typeface="Consolas" pitchFamily="49" charset="0"/>
+            </a:endParaRPr>
           </a:p>
         </p:txBody>
       </p:sp>
@@ -4487,22 +4544,15 @@
           <a:p>
             <a:pPr algn="ctr"/>
             <a:r>
-              <a:rPr lang="en-US" sz="1400" b="1" dirty="0" smtClean="0">
+              <a:rPr lang="en-US" sz="1400" b="1" dirty="0">
                 <a:solidFill>
                   <a:schemeClr val="bg1"/>
                 </a:solidFill>
                 <a:latin typeface="Consolas" pitchFamily="49" charset="0"/>
                 <a:cs typeface="Consolas" pitchFamily="49" charset="0"/>
               </a:rPr>
-              <a:t>Jest</a:t>
-            </a:r>
-            <a:endParaRPr lang="en-US" sz="1400" b="1" dirty="0">
-              <a:solidFill>
-                <a:schemeClr val="bg1"/>
-              </a:solidFill>
-              <a:latin typeface="Consolas" pitchFamily="49" charset="0"/>
-              <a:cs typeface="Consolas" pitchFamily="49" charset="0"/>
-            </a:endParaRPr>
+              <a:t>Jasmine</a:t>
+            </a:r>
           </a:p>
         </p:txBody>
       </p:sp>
